--- a/2017/misc/CLI HTML CSS Git.pptx
+++ b/2017/misc/CLI HTML CSS Git.pptx
@@ -127,7 +127,7 @@
   </p:defaultTextStyle>
   <p:extLst>
     <p:ext uri="{EFAFB233-063F-42B5-8137-9DF3F51BA10A}">
-      <p15:sldGuideLst xmlns="" xmlns:p15="http://schemas.microsoft.com/office/powerpoint/2012/main"/>
+      <p15:sldGuideLst xmlns:p15="http://schemas.microsoft.com/office/powerpoint/2012/main" xmlns=""/>
     </p:ext>
   </p:extLst>
 </p:presentation>
@@ -286,7 +286,7 @@
           <a:p>
             <a:fld id="{F4EAFB54-7980-41A8-B151-9D25B292734F}" type="datetimeFigureOut">
               <a:rPr lang="en-US" smtClean="0"/>
-              <a:t>6/13/16</a:t>
+              <a:t>6/5/17</a:t>
             </a:fld>
             <a:endParaRPr lang="en-US"/>
           </a:p>
@@ -456,7 +456,7 @@
           <a:p>
             <a:fld id="{F4EAFB54-7980-41A8-B151-9D25B292734F}" type="datetimeFigureOut">
               <a:rPr lang="en-US" smtClean="0"/>
-              <a:t>6/13/16</a:t>
+              <a:t>6/5/17</a:t>
             </a:fld>
             <a:endParaRPr lang="en-US"/>
           </a:p>
@@ -636,7 +636,7 @@
           <a:p>
             <a:fld id="{F4EAFB54-7980-41A8-B151-9D25B292734F}" type="datetimeFigureOut">
               <a:rPr lang="en-US" smtClean="0"/>
-              <a:t>6/13/16</a:t>
+              <a:t>6/5/17</a:t>
             </a:fld>
             <a:endParaRPr lang="en-US"/>
           </a:p>
@@ -806,7 +806,7 @@
           <a:p>
             <a:fld id="{F4EAFB54-7980-41A8-B151-9D25B292734F}" type="datetimeFigureOut">
               <a:rPr lang="en-US" smtClean="0"/>
-              <a:t>6/13/16</a:t>
+              <a:t>6/5/17</a:t>
             </a:fld>
             <a:endParaRPr lang="en-US"/>
           </a:p>
@@ -1052,7 +1052,7 @@
           <a:p>
             <a:fld id="{F4EAFB54-7980-41A8-B151-9D25B292734F}" type="datetimeFigureOut">
               <a:rPr lang="en-US" smtClean="0"/>
-              <a:t>6/13/16</a:t>
+              <a:t>6/5/17</a:t>
             </a:fld>
             <a:endParaRPr lang="en-US"/>
           </a:p>
@@ -1284,7 +1284,7 @@
           <a:p>
             <a:fld id="{F4EAFB54-7980-41A8-B151-9D25B292734F}" type="datetimeFigureOut">
               <a:rPr lang="en-US" smtClean="0"/>
-              <a:t>6/13/16</a:t>
+              <a:t>6/5/17</a:t>
             </a:fld>
             <a:endParaRPr lang="en-US"/>
           </a:p>
@@ -1651,7 +1651,7 @@
           <a:p>
             <a:fld id="{F4EAFB54-7980-41A8-B151-9D25B292734F}" type="datetimeFigureOut">
               <a:rPr lang="en-US" smtClean="0"/>
-              <a:t>6/13/16</a:t>
+              <a:t>6/5/17</a:t>
             </a:fld>
             <a:endParaRPr lang="en-US"/>
           </a:p>
@@ -1769,7 +1769,7 @@
           <a:p>
             <a:fld id="{F4EAFB54-7980-41A8-B151-9D25B292734F}" type="datetimeFigureOut">
               <a:rPr lang="en-US" smtClean="0"/>
-              <a:t>6/13/16</a:t>
+              <a:t>6/5/17</a:t>
             </a:fld>
             <a:endParaRPr lang="en-US"/>
           </a:p>
@@ -1864,7 +1864,7 @@
           <a:p>
             <a:fld id="{F4EAFB54-7980-41A8-B151-9D25B292734F}" type="datetimeFigureOut">
               <a:rPr lang="en-US" smtClean="0"/>
-              <a:t>6/13/16</a:t>
+              <a:t>6/5/17</a:t>
             </a:fld>
             <a:endParaRPr lang="en-US"/>
           </a:p>
@@ -2141,7 +2141,7 @@
           <a:p>
             <a:fld id="{F4EAFB54-7980-41A8-B151-9D25B292734F}" type="datetimeFigureOut">
               <a:rPr lang="en-US" smtClean="0"/>
-              <a:t>6/13/16</a:t>
+              <a:t>6/5/17</a:t>
             </a:fld>
             <a:endParaRPr lang="en-US"/>
           </a:p>
@@ -2394,7 +2394,7 @@
           <a:p>
             <a:fld id="{F4EAFB54-7980-41A8-B151-9D25B292734F}" type="datetimeFigureOut">
               <a:rPr lang="en-US" smtClean="0"/>
-              <a:t>6/13/16</a:t>
+              <a:t>6/5/17</a:t>
             </a:fld>
             <a:endParaRPr lang="en-US"/>
           </a:p>
@@ -2607,7 +2607,7 @@
           <a:p>
             <a:fld id="{F4EAFB54-7980-41A8-B151-9D25B292734F}" type="datetimeFigureOut">
               <a:rPr lang="en-US" smtClean="0"/>
-              <a:t>6/13/16</a:t>
+              <a:t>6/5/17</a:t>
             </a:fld>
             <a:endParaRPr lang="en-US"/>
           </a:p>
@@ -3029,11 +3029,7 @@
           <a:p>
             <a:r>
               <a:rPr lang="en-US" dirty="0" smtClean="0"/>
-              <a:t>Introduction to </a:t>
-            </a:r>
-            <a:r>
-              <a:rPr lang="en-US" dirty="0" smtClean="0"/>
-              <a:t>CLI</a:t>
+              <a:t>Introduction to CLI</a:t>
             </a:r>
             <a:endParaRPr lang="en-US" dirty="0"/>
           </a:p>
@@ -3056,8 +3052,13 @@
           <a:p>
             <a:r>
               <a:rPr lang="en-US" dirty="0" smtClean="0"/>
-              <a:t>HILT 2016</a:t>
-            </a:r>
+              <a:t>HILT </a:t>
+            </a:r>
+            <a:r>
+              <a:rPr lang="en-US" dirty="0" smtClean="0"/>
+              <a:t>2017</a:t>
+            </a:r>
+            <a:endParaRPr lang="en-US" dirty="0" smtClean="0"/>
           </a:p>
           <a:p>
             <a:endParaRPr lang="en-US" dirty="0"/>
@@ -3177,6 +3178,13 @@
   <p:clrMapOvr>
     <a:masterClrMapping/>
   </p:clrMapOvr>
+  <p:timing>
+    <p:tnLst>
+      <p:par>
+        <p:cTn xmlns:p14="http://schemas.microsoft.com/office/powerpoint/2010/main" id="1" dur="indefinite" restart="never" nodeType="tmRoot"/>
+      </p:par>
+    </p:tnLst>
+  </p:timing>
 </p:sld>
 </file>
 
@@ -3280,6 +3288,13 @@
   <p:clrMapOvr>
     <a:masterClrMapping/>
   </p:clrMapOvr>
+  <p:timing>
+    <p:tnLst>
+      <p:par>
+        <p:cTn xmlns:p14="http://schemas.microsoft.com/office/powerpoint/2010/main" id="1" dur="indefinite" restart="never" nodeType="tmRoot"/>
+      </p:par>
+    </p:tnLst>
+  </p:timing>
 </p:sld>
 </file>
 
@@ -3505,6 +3520,13 @@
   <p:clrMapOvr>
     <a:masterClrMapping/>
   </p:clrMapOvr>
+  <p:timing>
+    <p:tnLst>
+      <p:par>
+        <p:cTn xmlns:p14="http://schemas.microsoft.com/office/powerpoint/2010/main" id="1" dur="indefinite" restart="never" nodeType="tmRoot"/>
+      </p:par>
+    </p:tnLst>
+  </p:timing>
 </p:sld>
 </file>
 
@@ -3569,8 +3591,13 @@
           <a:p>
             <a:r>
               <a:rPr lang="en-US" dirty="0" smtClean="0"/>
-              <a:t>HILT 2016</a:t>
-            </a:r>
+              <a:t>HILT </a:t>
+            </a:r>
+            <a:r>
+              <a:rPr lang="en-US" dirty="0" smtClean="0"/>
+              <a:t>2017</a:t>
+            </a:r>
+            <a:endParaRPr lang="en-US" dirty="0" smtClean="0"/>
           </a:p>
           <a:p>
             <a:endParaRPr lang="en-US" dirty="0"/>
@@ -3587,6 +3614,13 @@
   <p:clrMapOvr>
     <a:masterClrMapping/>
   </p:clrMapOvr>
+  <p:timing>
+    <p:tnLst>
+      <p:par>
+        <p:cTn xmlns:p14="http://schemas.microsoft.com/office/powerpoint/2010/main" id="1" dur="indefinite" restart="never" nodeType="tmRoot"/>
+      </p:par>
+    </p:tnLst>
+  </p:timing>
 </p:sld>
 </file>
 
@@ -3686,6 +3720,13 @@
   <p:clrMapOvr>
     <a:masterClrMapping/>
   </p:clrMapOvr>
+  <p:timing>
+    <p:tnLst>
+      <p:par>
+        <p:cTn xmlns:p14="http://schemas.microsoft.com/office/powerpoint/2010/main" id="1" dur="indefinite" restart="never" nodeType="tmRoot"/>
+      </p:par>
+    </p:tnLst>
+  </p:timing>
 </p:sld>
 </file>
 
@@ -3774,6 +3815,13 @@
   <p:clrMapOvr>
     <a:masterClrMapping/>
   </p:clrMapOvr>
+  <p:timing>
+    <p:tnLst>
+      <p:par>
+        <p:cTn xmlns:p14="http://schemas.microsoft.com/office/powerpoint/2010/main" id="1" dur="indefinite" restart="never" nodeType="tmRoot"/>
+      </p:par>
+    </p:tnLst>
+  </p:timing>
 </p:sld>
 </file>
 
@@ -3863,6 +3911,13 @@
   <p:clrMapOvr>
     <a:masterClrMapping/>
   </p:clrMapOvr>
+  <p:timing>
+    <p:tnLst>
+      <p:par>
+        <p:cTn xmlns:p14="http://schemas.microsoft.com/office/powerpoint/2010/main" id="1" dur="indefinite" restart="never" nodeType="tmRoot"/>
+      </p:par>
+    </p:tnLst>
+  </p:timing>
 </p:sld>
 </file>
 
@@ -3962,6 +4017,13 @@
   <p:clrMapOvr>
     <a:masterClrMapping/>
   </p:clrMapOvr>
+  <p:timing>
+    <p:tnLst>
+      <p:par>
+        <p:cTn xmlns:p14="http://schemas.microsoft.com/office/powerpoint/2010/main" id="1" dur="indefinite" restart="never" nodeType="tmRoot"/>
+      </p:par>
+    </p:tnLst>
+  </p:timing>
 </p:sld>
 </file>
 
@@ -4133,6 +4195,13 @@
   <p:clrMapOvr>
     <a:masterClrMapping/>
   </p:clrMapOvr>
+  <p:timing>
+    <p:tnLst>
+      <p:par>
+        <p:cTn xmlns:p14="http://schemas.microsoft.com/office/powerpoint/2010/main" id="1" dur="indefinite" restart="never" nodeType="tmRoot"/>
+      </p:par>
+    </p:tnLst>
+  </p:timing>
 </p:sld>
 </file>
 
@@ -4554,6 +4623,13 @@
   <p:clrMapOvr>
     <a:masterClrMapping/>
   </p:clrMapOvr>
+  <p:timing>
+    <p:tnLst>
+      <p:par>
+        <p:cTn xmlns:p14="http://schemas.microsoft.com/office/powerpoint/2010/main" id="1" dur="indefinite" restart="never" nodeType="tmRoot"/>
+      </p:par>
+    </p:tnLst>
+  </p:timing>
 </p:sld>
 </file>
 
@@ -4813,6 +4889,13 @@
   <p:clrMapOvr>
     <a:masterClrMapping/>
   </p:clrMapOvr>
+  <p:timing>
+    <p:tnLst>
+      <p:par>
+        <p:cTn xmlns:p14="http://schemas.microsoft.com/office/powerpoint/2010/main" id="1" dur="indefinite" restart="never" nodeType="tmRoot"/>
+      </p:par>
+    </p:tnLst>
+  </p:timing>
 </p:sld>
 </file>
 
@@ -4925,6 +5008,13 @@
   <p:clrMapOvr>
     <a:masterClrMapping/>
   </p:clrMapOvr>
+  <p:timing>
+    <p:tnLst>
+      <p:par>
+        <p:cTn xmlns:p14="http://schemas.microsoft.com/office/powerpoint/2010/main" id="1" dur="indefinite" restart="never" nodeType="tmRoot"/>
+      </p:par>
+    </p:tnLst>
+  </p:timing>
 </p:sld>
 </file>
 
@@ -6513,8 +6603,13 @@
           <a:p>
             <a:r>
               <a:rPr lang="en-US" dirty="0" smtClean="0"/>
-              <a:t>HILT 2016</a:t>
-            </a:r>
+              <a:t>HILT </a:t>
+            </a:r>
+            <a:r>
+              <a:rPr lang="en-US" dirty="0" smtClean="0"/>
+              <a:t>2017</a:t>
+            </a:r>
+            <a:endParaRPr lang="en-US" dirty="0" smtClean="0"/>
           </a:p>
           <a:p>
             <a:endParaRPr lang="en-US" dirty="0"/>
@@ -6531,6 +6626,13 @@
   <p:clrMapOvr>
     <a:masterClrMapping/>
   </p:clrMapOvr>
+  <p:timing>
+    <p:tnLst>
+      <p:par>
+        <p:cTn xmlns:p14="http://schemas.microsoft.com/office/powerpoint/2010/main" id="1" dur="indefinite" restart="never" nodeType="tmRoot"/>
+      </p:par>
+    </p:tnLst>
+  </p:timing>
 </p:sld>
 </file>
 
@@ -7438,6 +7540,13 @@
   <p:clrMapOvr>
     <a:masterClrMapping/>
   </p:clrMapOvr>
+  <p:timing>
+    <p:tnLst>
+      <p:par>
+        <p:cTn xmlns:p14="http://schemas.microsoft.com/office/powerpoint/2010/main" id="1" dur="indefinite" restart="never" nodeType="tmRoot"/>
+      </p:par>
+    </p:tnLst>
+  </p:timing>
 </p:sld>
 </file>
 
@@ -7696,7 +7805,7 @@
   <a:extraClrSchemeLst/>
   <a:extLst>
     <a:ext uri="{05A4C25C-085E-4340-85A3-A5531E510DB2}">
-      <thm15:themeFamily xmlns="" xmlns:thm15="http://schemas.microsoft.com/office/thememl/2012/main" name="Office Theme" id="{62F939B6-93AF-4DB8-9C6B-D6C7DFDC589F}" vid="{4A3C46E8-61CC-4603-A589-7422A47A8E4A}"/>
+      <thm15:themeFamily xmlns:thm15="http://schemas.microsoft.com/office/thememl/2012/main" xmlns="" name="Office Theme" id="{62F939B6-93AF-4DB8-9C6B-D6C7DFDC589F}" vid="{4A3C46E8-61CC-4603-A589-7422A47A8E4A}"/>
     </a:ext>
   </a:extLst>
 </a:theme>
